--- a/documents/プロジェクトにおける統合的サポート-草案.pptx
+++ b/documents/プロジェクトにおける統合的サポート-草案.pptx
@@ -6124,7 +6124,7 @@
         </p:spPr>
         <p:txBody>
           <a:bodyPr anchorCtr="0" anchor="t" bIns="91425" lIns="91425" spcFirstLastPara="1" rIns="91425" wrap="square" tIns="91425">
-            <a:normAutofit/>
+            <a:normAutofit lnSpcReduction="10000"/>
           </a:bodyPr>
           <a:lstStyle/>
           <a:p>
@@ -6158,9 +6158,14 @@
               <a:buNone/>
             </a:pPr>
             <a:r>
-              <a:t/>
+              <a:rPr lang="ja"/>
+              <a:t>Teams : </a:t>
             </a:r>
-            <a:endParaRPr sz="388"/>
+            <a:r>
+              <a:rPr lang="ja"/>
+              <a:t>重いし、絶妙に使いづらく感じる</a:t>
+            </a:r>
+            <a:endParaRPr/>
           </a:p>
           <a:p>
             <a:pPr indent="0" lvl="0" marL="0" rtl="0" algn="l">
